--- a/docs/2016_SDM/Presentation/EPSF/2016_Plot.pptx
+++ b/docs/2016_SDM/Presentation/EPSF/2016_Plot.pptx
@@ -6,6 +6,7 @@
   </p:sldMasterIdLst>
   <p:sldIdLst>
     <p:sldId id="256" r:id="rId2"/>
+    <p:sldId id="257" r:id="rId3"/>
   </p:sldIdLst>
   <p:sldSz cx="9144000" cy="6858000" type="screen4x3"/>
   <p:notesSz cx="6858000" cy="9144000"/>
@@ -288,7 +289,7 @@
           <a:p>
             <a:fld id="{5FA2C854-144F-9E4C-A067-767EF47D12C3}" type="datetimeFigureOut">
               <a:rPr lang="en-US" smtClean="0"/>
-              <a:t>10/21/15</a:t>
+              <a:t>1/4/16</a:t>
             </a:fld>
             <a:endParaRPr lang="en-US"/>
           </a:p>
@@ -458,7 +459,7 @@
           <a:p>
             <a:fld id="{5FA2C854-144F-9E4C-A067-767EF47D12C3}" type="datetimeFigureOut">
               <a:rPr lang="en-US" smtClean="0"/>
-              <a:t>10/21/15</a:t>
+              <a:t>1/4/16</a:t>
             </a:fld>
             <a:endParaRPr lang="en-US"/>
           </a:p>
@@ -638,7 +639,7 @@
           <a:p>
             <a:fld id="{5FA2C854-144F-9E4C-A067-767EF47D12C3}" type="datetimeFigureOut">
               <a:rPr lang="en-US" smtClean="0"/>
-              <a:t>10/21/15</a:t>
+              <a:t>1/4/16</a:t>
             </a:fld>
             <a:endParaRPr lang="en-US"/>
           </a:p>
@@ -808,7 +809,7 @@
           <a:p>
             <a:fld id="{5FA2C854-144F-9E4C-A067-767EF47D12C3}" type="datetimeFigureOut">
               <a:rPr lang="en-US" smtClean="0"/>
-              <a:t>10/21/15</a:t>
+              <a:t>1/4/16</a:t>
             </a:fld>
             <a:endParaRPr lang="en-US"/>
           </a:p>
@@ -1054,7 +1055,7 @@
           <a:p>
             <a:fld id="{5FA2C854-144F-9E4C-A067-767EF47D12C3}" type="datetimeFigureOut">
               <a:rPr lang="en-US" smtClean="0"/>
-              <a:t>10/21/15</a:t>
+              <a:t>1/4/16</a:t>
             </a:fld>
             <a:endParaRPr lang="en-US"/>
           </a:p>
@@ -1342,7 +1343,7 @@
           <a:p>
             <a:fld id="{5FA2C854-144F-9E4C-A067-767EF47D12C3}" type="datetimeFigureOut">
               <a:rPr lang="en-US" smtClean="0"/>
-              <a:t>10/21/15</a:t>
+              <a:t>1/4/16</a:t>
             </a:fld>
             <a:endParaRPr lang="en-US"/>
           </a:p>
@@ -1764,7 +1765,7 @@
           <a:p>
             <a:fld id="{5FA2C854-144F-9E4C-A067-767EF47D12C3}" type="datetimeFigureOut">
               <a:rPr lang="en-US" smtClean="0"/>
-              <a:t>10/21/15</a:t>
+              <a:t>1/4/16</a:t>
             </a:fld>
             <a:endParaRPr lang="en-US"/>
           </a:p>
@@ -1882,7 +1883,7 @@
           <a:p>
             <a:fld id="{5FA2C854-144F-9E4C-A067-767EF47D12C3}" type="datetimeFigureOut">
               <a:rPr lang="en-US" smtClean="0"/>
-              <a:t>10/21/15</a:t>
+              <a:t>1/4/16</a:t>
             </a:fld>
             <a:endParaRPr lang="en-US"/>
           </a:p>
@@ -1977,7 +1978,7 @@
           <a:p>
             <a:fld id="{5FA2C854-144F-9E4C-A067-767EF47D12C3}" type="datetimeFigureOut">
               <a:rPr lang="en-US" smtClean="0"/>
-              <a:t>10/21/15</a:t>
+              <a:t>1/4/16</a:t>
             </a:fld>
             <a:endParaRPr lang="en-US"/>
           </a:p>
@@ -2254,7 +2255,7 @@
           <a:p>
             <a:fld id="{5FA2C854-144F-9E4C-A067-767EF47D12C3}" type="datetimeFigureOut">
               <a:rPr lang="en-US" smtClean="0"/>
-              <a:t>10/21/15</a:t>
+              <a:t>1/4/16</a:t>
             </a:fld>
             <a:endParaRPr lang="en-US"/>
           </a:p>
@@ -2507,7 +2508,7 @@
           <a:p>
             <a:fld id="{5FA2C854-144F-9E4C-A067-767EF47D12C3}" type="datetimeFigureOut">
               <a:rPr lang="en-US" smtClean="0"/>
-              <a:t>10/21/15</a:t>
+              <a:t>1/4/16</a:t>
             </a:fld>
             <a:endParaRPr lang="en-US"/>
           </a:p>
@@ -2720,7 +2721,7 @@
           <a:p>
             <a:fld id="{5FA2C854-144F-9E4C-A067-767EF47D12C3}" type="datetimeFigureOut">
               <a:rPr lang="en-US" smtClean="0"/>
-              <a:t>10/21/15</a:t>
+              <a:t>1/4/16</a:t>
             </a:fld>
             <a:endParaRPr lang="en-US"/>
           </a:p>
@@ -4365,10 +4366,6 @@
                 </a:rPr>
                 <a:t>X</a:t>
               </a:r>
-              <a:endParaRPr lang="en-US" i="1" dirty="0">
-                <a:latin typeface="Times New Roman"/>
-                <a:cs typeface="Times New Roman"/>
-              </a:endParaRPr>
             </a:p>
           </p:txBody>
         </p:sp>
@@ -4452,6 +4449,895 @@
     <p:extLst>
       <p:ext uri="{BB962C8B-B14F-4D97-AF65-F5344CB8AC3E}">
         <p14:creationId xmlns:p14="http://schemas.microsoft.com/office/powerpoint/2010/main" val="3340385401"/>
+      </p:ext>
+    </p:extLst>
+  </p:cSld>
+  <p:clrMapOvr>
+    <a:masterClrMapping/>
+  </p:clrMapOvr>
+</p:sld>
+</file>
+
+<file path=ppt/slides/slide2.xml><?xml version="1.0" encoding="utf-8"?>
+<p:sld xmlns:a="http://schemas.openxmlformats.org/drawingml/2006/main" xmlns:r="http://schemas.openxmlformats.org/officeDocument/2006/relationships" xmlns:p="http://schemas.openxmlformats.org/presentationml/2006/main">
+  <p:cSld>
+    <p:spTree>
+      <p:nvGrpSpPr>
+        <p:cNvPr id="1" name=""/>
+        <p:cNvGrpSpPr/>
+        <p:nvPr/>
+      </p:nvGrpSpPr>
+      <p:grpSpPr>
+        <a:xfrm>
+          <a:off x="0" y="0"/>
+          <a:ext cx="0" cy="0"/>
+          <a:chOff x="0" y="0"/>
+          <a:chExt cx="0" cy="0"/>
+        </a:xfrm>
+      </p:grpSpPr>
+      <p:grpSp>
+        <p:nvGrpSpPr>
+          <p:cNvPr id="33" name="Group 32"/>
+          <p:cNvGrpSpPr/>
+          <p:nvPr/>
+        </p:nvGrpSpPr>
+        <p:grpSpPr>
+          <a:xfrm>
+            <a:off x="767080" y="2387600"/>
+            <a:ext cx="7609840" cy="3287038"/>
+            <a:chOff x="767080" y="2387600"/>
+            <a:chExt cx="7609840" cy="3287038"/>
+          </a:xfrm>
+        </p:grpSpPr>
+        <p:cxnSp>
+          <p:nvCxnSpPr>
+            <p:cNvPr id="5" name="Straight Connector 4"/>
+            <p:cNvCxnSpPr/>
+            <p:nvPr/>
+          </p:nvCxnSpPr>
+          <p:spPr>
+            <a:xfrm flipV="1">
+              <a:off x="833120" y="2458720"/>
+              <a:ext cx="7426960" cy="50800"/>
+            </a:xfrm>
+            <a:prstGeom prst="line">
+              <a:avLst/>
+            </a:prstGeom>
+          </p:spPr>
+          <p:style>
+            <a:lnRef idx="2">
+              <a:schemeClr val="accent1"/>
+            </a:lnRef>
+            <a:fillRef idx="0">
+              <a:schemeClr val="accent1"/>
+            </a:fillRef>
+            <a:effectRef idx="1">
+              <a:schemeClr val="accent1"/>
+            </a:effectRef>
+            <a:fontRef idx="minor">
+              <a:schemeClr val="tx1"/>
+            </a:fontRef>
+          </p:style>
+        </p:cxnSp>
+        <p:sp>
+          <p:nvSpPr>
+            <p:cNvPr id="6" name="Oval 5"/>
+            <p:cNvSpPr/>
+            <p:nvPr/>
+          </p:nvSpPr>
+          <p:spPr>
+            <a:xfrm>
+              <a:off x="767080" y="2438400"/>
+              <a:ext cx="132080" cy="142240"/>
+            </a:xfrm>
+            <a:prstGeom prst="ellipse">
+              <a:avLst/>
+            </a:prstGeom>
+          </p:spPr>
+          <p:style>
+            <a:lnRef idx="1">
+              <a:schemeClr val="accent1"/>
+            </a:lnRef>
+            <a:fillRef idx="3">
+              <a:schemeClr val="accent1"/>
+            </a:fillRef>
+            <a:effectRef idx="2">
+              <a:schemeClr val="accent1"/>
+            </a:effectRef>
+            <a:fontRef idx="minor">
+              <a:schemeClr val="lt1"/>
+            </a:fontRef>
+          </p:style>
+          <p:txBody>
+            <a:bodyPr rtlCol="0" anchor="ctr"/>
+            <a:lstStyle/>
+            <a:p>
+              <a:pPr algn="ctr"/>
+              <a:endParaRPr lang="en-US"/>
+            </a:p>
+          </p:txBody>
+        </p:sp>
+        <p:sp>
+          <p:nvSpPr>
+            <p:cNvPr id="7" name="Oval 6"/>
+            <p:cNvSpPr/>
+            <p:nvPr/>
+          </p:nvSpPr>
+          <p:spPr>
+            <a:xfrm>
+              <a:off x="8194040" y="2397760"/>
+              <a:ext cx="132080" cy="142240"/>
+            </a:xfrm>
+            <a:prstGeom prst="ellipse">
+              <a:avLst/>
+            </a:prstGeom>
+          </p:spPr>
+          <p:style>
+            <a:lnRef idx="1">
+              <a:schemeClr val="accent1"/>
+            </a:lnRef>
+            <a:fillRef idx="3">
+              <a:schemeClr val="accent1"/>
+            </a:fillRef>
+            <a:effectRef idx="2">
+              <a:schemeClr val="accent1"/>
+            </a:effectRef>
+            <a:fontRef idx="minor">
+              <a:schemeClr val="lt1"/>
+            </a:fontRef>
+          </p:style>
+          <p:txBody>
+            <a:bodyPr rtlCol="0" anchor="ctr"/>
+            <a:lstStyle/>
+            <a:p>
+              <a:pPr algn="ctr"/>
+              <a:endParaRPr lang="en-US"/>
+            </a:p>
+          </p:txBody>
+        </p:sp>
+        <p:sp>
+          <p:nvSpPr>
+            <p:cNvPr id="8" name="Oval 7"/>
+            <p:cNvSpPr/>
+            <p:nvPr/>
+          </p:nvSpPr>
+          <p:spPr>
+            <a:xfrm>
+              <a:off x="4302760" y="2438400"/>
+              <a:ext cx="132080" cy="142240"/>
+            </a:xfrm>
+            <a:prstGeom prst="ellipse">
+              <a:avLst/>
+            </a:prstGeom>
+          </p:spPr>
+          <p:style>
+            <a:lnRef idx="1">
+              <a:schemeClr val="accent1"/>
+            </a:lnRef>
+            <a:fillRef idx="3">
+              <a:schemeClr val="accent1"/>
+            </a:fillRef>
+            <a:effectRef idx="2">
+              <a:schemeClr val="accent1"/>
+            </a:effectRef>
+            <a:fontRef idx="minor">
+              <a:schemeClr val="lt1"/>
+            </a:fontRef>
+          </p:style>
+          <p:txBody>
+            <a:bodyPr rtlCol="0" anchor="ctr"/>
+            <a:lstStyle/>
+            <a:p>
+              <a:pPr algn="ctr"/>
+              <a:endParaRPr lang="en-US"/>
+            </a:p>
+          </p:txBody>
+        </p:sp>
+        <p:sp>
+          <p:nvSpPr>
+            <p:cNvPr id="9" name="Oval 8"/>
+            <p:cNvSpPr/>
+            <p:nvPr/>
+          </p:nvSpPr>
+          <p:spPr>
+            <a:xfrm>
+              <a:off x="2138680" y="2438400"/>
+              <a:ext cx="132080" cy="142240"/>
+            </a:xfrm>
+            <a:prstGeom prst="ellipse">
+              <a:avLst/>
+            </a:prstGeom>
+          </p:spPr>
+          <p:style>
+            <a:lnRef idx="1">
+              <a:schemeClr val="accent3"/>
+            </a:lnRef>
+            <a:fillRef idx="3">
+              <a:schemeClr val="accent3"/>
+            </a:fillRef>
+            <a:effectRef idx="2">
+              <a:schemeClr val="accent3"/>
+            </a:effectRef>
+            <a:fontRef idx="minor">
+              <a:schemeClr val="lt1"/>
+            </a:fontRef>
+          </p:style>
+          <p:txBody>
+            <a:bodyPr rtlCol="0" anchor="ctr"/>
+            <a:lstStyle/>
+            <a:p>
+              <a:pPr algn="ctr"/>
+              <a:endParaRPr lang="en-US"/>
+            </a:p>
+          </p:txBody>
+        </p:sp>
+        <p:sp>
+          <p:nvSpPr>
+            <p:cNvPr id="12" name="Oval 11"/>
+            <p:cNvSpPr/>
+            <p:nvPr/>
+          </p:nvSpPr>
+          <p:spPr>
+            <a:xfrm>
+              <a:off x="6761480" y="2387600"/>
+              <a:ext cx="132080" cy="142240"/>
+            </a:xfrm>
+            <a:prstGeom prst="ellipse">
+              <a:avLst/>
+            </a:prstGeom>
+          </p:spPr>
+          <p:style>
+            <a:lnRef idx="1">
+              <a:schemeClr val="accent3"/>
+            </a:lnRef>
+            <a:fillRef idx="3">
+              <a:schemeClr val="accent3"/>
+            </a:fillRef>
+            <a:effectRef idx="2">
+              <a:schemeClr val="accent3"/>
+            </a:effectRef>
+            <a:fontRef idx="minor">
+              <a:schemeClr val="lt1"/>
+            </a:fontRef>
+          </p:style>
+          <p:txBody>
+            <a:bodyPr rtlCol="0" anchor="ctr"/>
+            <a:lstStyle/>
+            <a:p>
+              <a:pPr algn="ctr"/>
+              <a:endParaRPr lang="en-US"/>
+            </a:p>
+          </p:txBody>
+        </p:sp>
+        <p:grpSp>
+          <p:nvGrpSpPr>
+            <p:cNvPr id="27" name="Group 26"/>
+            <p:cNvGrpSpPr/>
+            <p:nvPr/>
+          </p:nvGrpSpPr>
+          <p:grpSpPr>
+            <a:xfrm>
+              <a:off x="822960" y="3901440"/>
+              <a:ext cx="7498080" cy="213360"/>
+              <a:chOff x="822960" y="3220720"/>
+              <a:chExt cx="7498080" cy="213360"/>
+            </a:xfrm>
+          </p:grpSpPr>
+          <p:sp>
+            <p:nvSpPr>
+              <p:cNvPr id="13" name="Oval 12"/>
+              <p:cNvSpPr/>
+              <p:nvPr/>
+            </p:nvSpPr>
+            <p:spPr>
+              <a:xfrm>
+                <a:off x="822960" y="3271520"/>
+                <a:ext cx="132080" cy="142240"/>
+              </a:xfrm>
+              <a:prstGeom prst="ellipse">
+                <a:avLst/>
+              </a:prstGeom>
+            </p:spPr>
+            <p:style>
+              <a:lnRef idx="1">
+                <a:schemeClr val="accent2"/>
+              </a:lnRef>
+              <a:fillRef idx="3">
+                <a:schemeClr val="accent2"/>
+              </a:fillRef>
+              <a:effectRef idx="2">
+                <a:schemeClr val="accent2"/>
+              </a:effectRef>
+              <a:fontRef idx="minor">
+                <a:schemeClr val="lt1"/>
+              </a:fontRef>
+            </p:style>
+            <p:txBody>
+              <a:bodyPr rtlCol="0" anchor="ctr"/>
+              <a:lstStyle/>
+              <a:p>
+                <a:pPr algn="ctr"/>
+                <a:endParaRPr lang="en-US"/>
+              </a:p>
+            </p:txBody>
+          </p:sp>
+          <p:cxnSp>
+            <p:nvCxnSpPr>
+              <p:cNvPr id="14" name="Straight Connector 13"/>
+              <p:cNvCxnSpPr/>
+              <p:nvPr/>
+            </p:nvCxnSpPr>
+            <p:spPr>
+              <a:xfrm flipV="1">
+                <a:off x="833120" y="3302000"/>
+                <a:ext cx="7426960" cy="50800"/>
+              </a:xfrm>
+              <a:prstGeom prst="line">
+                <a:avLst/>
+              </a:prstGeom>
+            </p:spPr>
+            <p:style>
+              <a:lnRef idx="2">
+                <a:schemeClr val="accent1"/>
+              </a:lnRef>
+              <a:fillRef idx="0">
+                <a:schemeClr val="accent1"/>
+              </a:fillRef>
+              <a:effectRef idx="1">
+                <a:schemeClr val="accent1"/>
+              </a:effectRef>
+              <a:fontRef idx="minor">
+                <a:schemeClr val="tx1"/>
+              </a:fontRef>
+            </p:style>
+          </p:cxnSp>
+          <p:sp>
+            <p:nvSpPr>
+              <p:cNvPr id="16" name="Oval 15"/>
+              <p:cNvSpPr/>
+              <p:nvPr/>
+            </p:nvSpPr>
+            <p:spPr>
+              <a:xfrm>
+                <a:off x="1432560" y="3281680"/>
+                <a:ext cx="132080" cy="142240"/>
+              </a:xfrm>
+              <a:prstGeom prst="ellipse">
+                <a:avLst/>
+              </a:prstGeom>
+            </p:spPr>
+            <p:style>
+              <a:lnRef idx="1">
+                <a:schemeClr val="accent2"/>
+              </a:lnRef>
+              <a:fillRef idx="3">
+                <a:schemeClr val="accent2"/>
+              </a:fillRef>
+              <a:effectRef idx="2">
+                <a:schemeClr val="accent2"/>
+              </a:effectRef>
+              <a:fontRef idx="minor">
+                <a:schemeClr val="lt1"/>
+              </a:fontRef>
+            </p:style>
+            <p:txBody>
+              <a:bodyPr rtlCol="0" anchor="ctr"/>
+              <a:lstStyle/>
+              <a:p>
+                <a:pPr algn="ctr"/>
+                <a:endParaRPr lang="en-US"/>
+              </a:p>
+            </p:txBody>
+          </p:sp>
+          <p:sp>
+            <p:nvSpPr>
+              <p:cNvPr id="17" name="Oval 16"/>
+              <p:cNvSpPr/>
+              <p:nvPr/>
+            </p:nvSpPr>
+            <p:spPr>
+              <a:xfrm>
+                <a:off x="2138680" y="3271520"/>
+                <a:ext cx="132080" cy="142240"/>
+              </a:xfrm>
+              <a:prstGeom prst="ellipse">
+                <a:avLst/>
+              </a:prstGeom>
+            </p:spPr>
+            <p:style>
+              <a:lnRef idx="1">
+                <a:schemeClr val="accent2"/>
+              </a:lnRef>
+              <a:fillRef idx="3">
+                <a:schemeClr val="accent2"/>
+              </a:fillRef>
+              <a:effectRef idx="2">
+                <a:schemeClr val="accent2"/>
+              </a:effectRef>
+              <a:fontRef idx="minor">
+                <a:schemeClr val="lt1"/>
+              </a:fontRef>
+            </p:style>
+            <p:txBody>
+              <a:bodyPr rtlCol="0" anchor="ctr"/>
+              <a:lstStyle/>
+              <a:p>
+                <a:pPr algn="ctr"/>
+                <a:endParaRPr lang="en-US"/>
+              </a:p>
+            </p:txBody>
+          </p:sp>
+          <p:sp>
+            <p:nvSpPr>
+              <p:cNvPr id="18" name="Oval 17"/>
+              <p:cNvSpPr/>
+              <p:nvPr/>
+            </p:nvSpPr>
+            <p:spPr>
+              <a:xfrm>
+                <a:off x="2895600" y="3291840"/>
+                <a:ext cx="132080" cy="142240"/>
+              </a:xfrm>
+              <a:prstGeom prst="ellipse">
+                <a:avLst/>
+              </a:prstGeom>
+            </p:spPr>
+            <p:style>
+              <a:lnRef idx="1">
+                <a:schemeClr val="accent2"/>
+              </a:lnRef>
+              <a:fillRef idx="3">
+                <a:schemeClr val="accent2"/>
+              </a:fillRef>
+              <a:effectRef idx="2">
+                <a:schemeClr val="accent2"/>
+              </a:effectRef>
+              <a:fontRef idx="minor">
+                <a:schemeClr val="lt1"/>
+              </a:fontRef>
+            </p:style>
+            <p:txBody>
+              <a:bodyPr rtlCol="0" anchor="ctr"/>
+              <a:lstStyle/>
+              <a:p>
+                <a:pPr algn="ctr"/>
+                <a:endParaRPr lang="en-US"/>
+              </a:p>
+            </p:txBody>
+          </p:sp>
+          <p:sp>
+            <p:nvSpPr>
+              <p:cNvPr id="19" name="Oval 18"/>
+              <p:cNvSpPr/>
+              <p:nvPr/>
+            </p:nvSpPr>
+            <p:spPr>
+              <a:xfrm>
+                <a:off x="3515360" y="3281680"/>
+                <a:ext cx="132080" cy="142240"/>
+              </a:xfrm>
+              <a:prstGeom prst="ellipse">
+                <a:avLst/>
+              </a:prstGeom>
+            </p:spPr>
+            <p:style>
+              <a:lnRef idx="1">
+                <a:schemeClr val="accent2"/>
+              </a:lnRef>
+              <a:fillRef idx="3">
+                <a:schemeClr val="accent2"/>
+              </a:fillRef>
+              <a:effectRef idx="2">
+                <a:schemeClr val="accent2"/>
+              </a:effectRef>
+              <a:fontRef idx="minor">
+                <a:schemeClr val="lt1"/>
+              </a:fontRef>
+            </p:style>
+            <p:txBody>
+              <a:bodyPr rtlCol="0" anchor="ctr"/>
+              <a:lstStyle/>
+              <a:p>
+                <a:pPr algn="ctr"/>
+                <a:endParaRPr lang="en-US"/>
+              </a:p>
+            </p:txBody>
+          </p:sp>
+          <p:sp>
+            <p:nvSpPr>
+              <p:cNvPr id="20" name="Oval 19"/>
+              <p:cNvSpPr/>
+              <p:nvPr/>
+            </p:nvSpPr>
+            <p:spPr>
+              <a:xfrm>
+                <a:off x="6024880" y="3241040"/>
+                <a:ext cx="132080" cy="142240"/>
+              </a:xfrm>
+              <a:prstGeom prst="ellipse">
+                <a:avLst/>
+              </a:prstGeom>
+            </p:spPr>
+            <p:style>
+              <a:lnRef idx="1">
+                <a:schemeClr val="accent2"/>
+              </a:lnRef>
+              <a:fillRef idx="3">
+                <a:schemeClr val="accent2"/>
+              </a:fillRef>
+              <a:effectRef idx="2">
+                <a:schemeClr val="accent2"/>
+              </a:effectRef>
+              <a:fontRef idx="minor">
+                <a:schemeClr val="lt1"/>
+              </a:fontRef>
+            </p:style>
+            <p:txBody>
+              <a:bodyPr rtlCol="0" anchor="ctr"/>
+              <a:lstStyle/>
+              <a:p>
+                <a:pPr algn="ctr"/>
+                <a:endParaRPr lang="en-US"/>
+              </a:p>
+            </p:txBody>
+          </p:sp>
+          <p:sp>
+            <p:nvSpPr>
+              <p:cNvPr id="21" name="Oval 20"/>
+              <p:cNvSpPr/>
+              <p:nvPr/>
+            </p:nvSpPr>
+            <p:spPr>
+              <a:xfrm>
+                <a:off x="6827520" y="3230880"/>
+                <a:ext cx="132080" cy="142240"/>
+              </a:xfrm>
+              <a:prstGeom prst="ellipse">
+                <a:avLst/>
+              </a:prstGeom>
+            </p:spPr>
+            <p:style>
+              <a:lnRef idx="1">
+                <a:schemeClr val="accent2"/>
+              </a:lnRef>
+              <a:fillRef idx="3">
+                <a:schemeClr val="accent2"/>
+              </a:fillRef>
+              <a:effectRef idx="2">
+                <a:schemeClr val="accent2"/>
+              </a:effectRef>
+              <a:fontRef idx="minor">
+                <a:schemeClr val="lt1"/>
+              </a:fontRef>
+            </p:style>
+            <p:txBody>
+              <a:bodyPr rtlCol="0" anchor="ctr"/>
+              <a:lstStyle/>
+              <a:p>
+                <a:pPr algn="ctr"/>
+                <a:endParaRPr lang="en-US"/>
+              </a:p>
+            </p:txBody>
+          </p:sp>
+          <p:sp>
+            <p:nvSpPr>
+              <p:cNvPr id="22" name="Oval 21"/>
+              <p:cNvSpPr/>
+              <p:nvPr/>
+            </p:nvSpPr>
+            <p:spPr>
+              <a:xfrm>
+                <a:off x="7640320" y="3230880"/>
+                <a:ext cx="132080" cy="142240"/>
+              </a:xfrm>
+              <a:prstGeom prst="ellipse">
+                <a:avLst/>
+              </a:prstGeom>
+            </p:spPr>
+            <p:style>
+              <a:lnRef idx="1">
+                <a:schemeClr val="accent2"/>
+              </a:lnRef>
+              <a:fillRef idx="3">
+                <a:schemeClr val="accent2"/>
+              </a:fillRef>
+              <a:effectRef idx="2">
+                <a:schemeClr val="accent2"/>
+              </a:effectRef>
+              <a:fontRef idx="minor">
+                <a:schemeClr val="lt1"/>
+              </a:fontRef>
+            </p:style>
+            <p:txBody>
+              <a:bodyPr rtlCol="0" anchor="ctr"/>
+              <a:lstStyle/>
+              <a:p>
+                <a:pPr algn="ctr"/>
+                <a:endParaRPr lang="en-US"/>
+              </a:p>
+            </p:txBody>
+          </p:sp>
+          <p:sp>
+            <p:nvSpPr>
+              <p:cNvPr id="23" name="Oval 22"/>
+              <p:cNvSpPr/>
+              <p:nvPr/>
+            </p:nvSpPr>
+            <p:spPr>
+              <a:xfrm>
+                <a:off x="8188960" y="3220720"/>
+                <a:ext cx="132080" cy="142240"/>
+              </a:xfrm>
+              <a:prstGeom prst="ellipse">
+                <a:avLst/>
+              </a:prstGeom>
+            </p:spPr>
+            <p:style>
+              <a:lnRef idx="1">
+                <a:schemeClr val="accent2"/>
+              </a:lnRef>
+              <a:fillRef idx="3">
+                <a:schemeClr val="accent2"/>
+              </a:fillRef>
+              <a:effectRef idx="2">
+                <a:schemeClr val="accent2"/>
+              </a:effectRef>
+              <a:fontRef idx="minor">
+                <a:schemeClr val="lt1"/>
+              </a:fontRef>
+            </p:style>
+            <p:txBody>
+              <a:bodyPr rtlCol="0" anchor="ctr"/>
+              <a:lstStyle/>
+              <a:p>
+                <a:pPr algn="ctr"/>
+                <a:endParaRPr lang="en-US"/>
+              </a:p>
+            </p:txBody>
+          </p:sp>
+          <p:sp>
+            <p:nvSpPr>
+              <p:cNvPr id="25" name="Oval 24"/>
+              <p:cNvSpPr/>
+              <p:nvPr/>
+            </p:nvSpPr>
+            <p:spPr>
+              <a:xfrm>
+                <a:off x="4302760" y="3271520"/>
+                <a:ext cx="132080" cy="142240"/>
+              </a:xfrm>
+              <a:prstGeom prst="ellipse">
+                <a:avLst/>
+              </a:prstGeom>
+            </p:spPr>
+            <p:style>
+              <a:lnRef idx="1">
+                <a:schemeClr val="accent2"/>
+              </a:lnRef>
+              <a:fillRef idx="3">
+                <a:schemeClr val="accent2"/>
+              </a:fillRef>
+              <a:effectRef idx="2">
+                <a:schemeClr val="accent2"/>
+              </a:effectRef>
+              <a:fontRef idx="minor">
+                <a:schemeClr val="lt1"/>
+              </a:fontRef>
+            </p:style>
+            <p:txBody>
+              <a:bodyPr rtlCol="0" anchor="ctr"/>
+              <a:lstStyle/>
+              <a:p>
+                <a:pPr algn="ctr"/>
+                <a:endParaRPr lang="en-US"/>
+              </a:p>
+            </p:txBody>
+          </p:sp>
+          <p:sp>
+            <p:nvSpPr>
+              <p:cNvPr id="26" name="Oval 25"/>
+              <p:cNvSpPr/>
+              <p:nvPr/>
+            </p:nvSpPr>
+            <p:spPr>
+              <a:xfrm>
+                <a:off x="5130800" y="3271520"/>
+                <a:ext cx="132080" cy="142240"/>
+              </a:xfrm>
+              <a:prstGeom prst="ellipse">
+                <a:avLst/>
+              </a:prstGeom>
+            </p:spPr>
+            <p:style>
+              <a:lnRef idx="1">
+                <a:schemeClr val="accent2"/>
+              </a:lnRef>
+              <a:fillRef idx="3">
+                <a:schemeClr val="accent2"/>
+              </a:fillRef>
+              <a:effectRef idx="2">
+                <a:schemeClr val="accent2"/>
+              </a:effectRef>
+              <a:fontRef idx="minor">
+                <a:schemeClr val="lt1"/>
+              </a:fontRef>
+            </p:style>
+            <p:txBody>
+              <a:bodyPr rtlCol="0" anchor="ctr"/>
+              <a:lstStyle/>
+              <a:p>
+                <a:pPr algn="ctr"/>
+                <a:endParaRPr lang="en-US"/>
+              </a:p>
+            </p:txBody>
+          </p:sp>
+        </p:grpSp>
+        <p:sp>
+          <p:nvSpPr>
+            <p:cNvPr id="29" name="Oval 28"/>
+            <p:cNvSpPr/>
+            <p:nvPr/>
+          </p:nvSpPr>
+          <p:spPr>
+            <a:xfrm>
+              <a:off x="6253480" y="4886960"/>
+              <a:ext cx="132080" cy="142240"/>
+            </a:xfrm>
+            <a:prstGeom prst="ellipse">
+              <a:avLst/>
+            </a:prstGeom>
+          </p:spPr>
+          <p:style>
+            <a:lnRef idx="1">
+              <a:schemeClr val="accent1"/>
+            </a:lnRef>
+            <a:fillRef idx="3">
+              <a:schemeClr val="accent1"/>
+            </a:fillRef>
+            <a:effectRef idx="2">
+              <a:schemeClr val="accent1"/>
+            </a:effectRef>
+            <a:fontRef idx="minor">
+              <a:schemeClr val="lt1"/>
+            </a:fontRef>
+          </p:style>
+          <p:txBody>
+            <a:bodyPr rtlCol="0" anchor="ctr"/>
+            <a:lstStyle/>
+            <a:p>
+              <a:pPr algn="ctr"/>
+              <a:endParaRPr lang="en-US"/>
+            </a:p>
+          </p:txBody>
+        </p:sp>
+        <p:sp>
+          <p:nvSpPr>
+            <p:cNvPr id="30" name="TextBox 29"/>
+            <p:cNvSpPr txBox="1"/>
+            <p:nvPr/>
+          </p:nvSpPr>
+          <p:spPr>
+            <a:xfrm>
+              <a:off x="6131560" y="4751308"/>
+              <a:ext cx="2245360" cy="923330"/>
+            </a:xfrm>
+            <a:prstGeom prst="rect">
+              <a:avLst/>
+            </a:prstGeom>
+            <a:noFill/>
+          </p:spPr>
+          <p:txBody>
+            <a:bodyPr wrap="square" rtlCol="0">
+              <a:spAutoFit/>
+            </a:bodyPr>
+            <a:lstStyle/>
+            <a:p>
+              <a:r>
+                <a:rPr lang="en-US" dirty="0" smtClean="0"/>
+                <a:t>      </a:t>
+              </a:r>
+              <a:r>
+                <a:rPr lang="en-US" smtClean="0"/>
+                <a:t> FE Nodes</a:t>
+              </a:r>
+              <a:endParaRPr lang="en-US" dirty="0" smtClean="0"/>
+            </a:p>
+            <a:p>
+              <a:r>
+                <a:rPr lang="en-US" dirty="0" smtClean="0"/>
+                <a:t>       Gauss Points</a:t>
+              </a:r>
+            </a:p>
+            <a:p>
+              <a:r>
+                <a:rPr lang="en-US" dirty="0" smtClean="0"/>
+                <a:t>       Data Points</a:t>
+              </a:r>
+              <a:endParaRPr lang="en-US" dirty="0"/>
+            </a:p>
+          </p:txBody>
+        </p:sp>
+        <p:sp>
+          <p:nvSpPr>
+            <p:cNvPr id="31" name="Oval 30"/>
+            <p:cNvSpPr/>
+            <p:nvPr/>
+          </p:nvSpPr>
+          <p:spPr>
+            <a:xfrm>
+              <a:off x="6253480" y="5188744"/>
+              <a:ext cx="132080" cy="142240"/>
+            </a:xfrm>
+            <a:prstGeom prst="ellipse">
+              <a:avLst/>
+            </a:prstGeom>
+          </p:spPr>
+          <p:style>
+            <a:lnRef idx="1">
+              <a:schemeClr val="accent3"/>
+            </a:lnRef>
+            <a:fillRef idx="3">
+              <a:schemeClr val="accent3"/>
+            </a:fillRef>
+            <a:effectRef idx="2">
+              <a:schemeClr val="accent3"/>
+            </a:effectRef>
+            <a:fontRef idx="minor">
+              <a:schemeClr val="lt1"/>
+            </a:fontRef>
+          </p:style>
+          <p:txBody>
+            <a:bodyPr rtlCol="0" anchor="ctr"/>
+            <a:lstStyle/>
+            <a:p>
+              <a:pPr algn="ctr"/>
+              <a:endParaRPr lang="en-US"/>
+            </a:p>
+          </p:txBody>
+        </p:sp>
+        <p:sp>
+          <p:nvSpPr>
+            <p:cNvPr id="32" name="Oval 31"/>
+            <p:cNvSpPr/>
+            <p:nvPr/>
+          </p:nvSpPr>
+          <p:spPr>
+            <a:xfrm>
+              <a:off x="6253480" y="5483384"/>
+              <a:ext cx="132080" cy="142240"/>
+            </a:xfrm>
+            <a:prstGeom prst="ellipse">
+              <a:avLst/>
+            </a:prstGeom>
+          </p:spPr>
+          <p:style>
+            <a:lnRef idx="1">
+              <a:schemeClr val="accent2"/>
+            </a:lnRef>
+            <a:fillRef idx="3">
+              <a:schemeClr val="accent2"/>
+            </a:fillRef>
+            <a:effectRef idx="2">
+              <a:schemeClr val="accent2"/>
+            </a:effectRef>
+            <a:fontRef idx="minor">
+              <a:schemeClr val="lt1"/>
+            </a:fontRef>
+          </p:style>
+          <p:txBody>
+            <a:bodyPr rtlCol="0" anchor="ctr"/>
+            <a:lstStyle/>
+            <a:p>
+              <a:pPr algn="ctr"/>
+              <a:endParaRPr lang="en-US"/>
+            </a:p>
+          </p:txBody>
+        </p:sp>
+      </p:grpSp>
+    </p:spTree>
+    <p:extLst>
+      <p:ext uri="{BB962C8B-B14F-4D97-AF65-F5344CB8AC3E}">
+        <p14:creationId xmlns:p14="http://schemas.microsoft.com/office/powerpoint/2010/main" val="2369718644"/>
       </p:ext>
     </p:extLst>
   </p:cSld>
